--- a/ppt 16-9/0831.不要坐高位.pptx
+++ b/ppt 16-9/0831.不要坐高位.pptx
@@ -5,7 +5,7 @@
     <p:sldMasterId id="2147483648" r:id="rId1"/>
   </p:sldMasterIdLst>
   <p:sldIdLst>
-    <p:sldId id="2116" r:id="rId2"/>
+    <p:sldId id="2117" r:id="rId2"/>
   </p:sldIdLst>
   <p:sldSz cx="12192000" cy="6858000"/>
   <p:notesSz cx="6858000" cy="9144000"/>
@@ -129,7 +129,7 @@
           <p:cNvPr id="2" name="标题 1">
             <a:extLst>
               <a:ext uri="{FF2B5EF4-FFF2-40B4-BE49-F238E27FC236}">
-                <a16:creationId xmlns:a16="http://schemas.microsoft.com/office/drawing/2014/main" id="{4CAF38FF-D3D1-2ED0-2718-50B9EAB9B608}"/>
+                <a16:creationId xmlns:a16="http://schemas.microsoft.com/office/drawing/2014/main" id="{C2AB40EB-5416-CE3A-E9A5-4D7639045B01}"/>
               </a:ext>
             </a:extLst>
           </p:cNvPr>
@@ -166,7 +166,7 @@
           <p:cNvPr id="3" name="副标题 2">
             <a:extLst>
               <a:ext uri="{FF2B5EF4-FFF2-40B4-BE49-F238E27FC236}">
-                <a16:creationId xmlns:a16="http://schemas.microsoft.com/office/drawing/2014/main" id="{3DB65718-2F75-0D73-71A2-BA5208FAA287}"/>
+                <a16:creationId xmlns:a16="http://schemas.microsoft.com/office/drawing/2014/main" id="{5027A790-8176-F92E-2AF4-8F6C9BB5653A}"/>
               </a:ext>
             </a:extLst>
           </p:cNvPr>
@@ -236,7 +236,7 @@
           <p:cNvPr id="4" name="日期占位符 3">
             <a:extLst>
               <a:ext uri="{FF2B5EF4-FFF2-40B4-BE49-F238E27FC236}">
-                <a16:creationId xmlns:a16="http://schemas.microsoft.com/office/drawing/2014/main" id="{2E0F8075-9422-F059-4FAD-B204EEA3A2C5}"/>
+                <a16:creationId xmlns:a16="http://schemas.microsoft.com/office/drawing/2014/main" id="{3A0A80D1-D91C-BBD2-E598-B8D8527AF29E}"/>
               </a:ext>
             </a:extLst>
           </p:cNvPr>
@@ -252,7 +252,7 @@
           <a:bodyPr/>
           <a:lstStyle/>
           <a:p>
-            <a:fld id="{AFAE7115-75DE-45BA-A8B4-A48DCED667E0}" type="datetimeFigureOut">
+            <a:fld id="{3E110B1A-8F3D-459F-86EF-FC7BC78BBE21}" type="datetimeFigureOut">
               <a:rPr lang="zh-CN" altLang="en-US" smtClean="0"/>
               <a:t>2024/3/10</a:t>
             </a:fld>
@@ -265,7 +265,7 @@
           <p:cNvPr id="5" name="页脚占位符 4">
             <a:extLst>
               <a:ext uri="{FF2B5EF4-FFF2-40B4-BE49-F238E27FC236}">
-                <a16:creationId xmlns:a16="http://schemas.microsoft.com/office/drawing/2014/main" id="{2E93DB60-689F-2A9E-7294-AF6CB5235E63}"/>
+                <a16:creationId xmlns:a16="http://schemas.microsoft.com/office/drawing/2014/main" id="{7451F5F1-E305-429B-482B-93E076BF802C}"/>
               </a:ext>
             </a:extLst>
           </p:cNvPr>
@@ -290,7 +290,7 @@
           <p:cNvPr id="6" name="灯片编号占位符 5">
             <a:extLst>
               <a:ext uri="{FF2B5EF4-FFF2-40B4-BE49-F238E27FC236}">
-                <a16:creationId xmlns:a16="http://schemas.microsoft.com/office/drawing/2014/main" id="{FF969B6B-A98E-83BC-7113-1F9DF0763A76}"/>
+                <a16:creationId xmlns:a16="http://schemas.microsoft.com/office/drawing/2014/main" id="{2097674A-0904-AFB7-A33F-3C33EEDCFDF1}"/>
               </a:ext>
             </a:extLst>
           </p:cNvPr>
@@ -306,7 +306,7 @@
           <a:bodyPr/>
           <a:lstStyle/>
           <a:p>
-            <a:fld id="{F44CBAC3-E87D-46A8-9B5E-58E9F94477FB}" type="slidenum">
+            <a:fld id="{F7D099B0-826E-44BB-A484-397E90C404DD}" type="slidenum">
               <a:rPr lang="zh-CN" altLang="en-US" smtClean="0"/>
               <a:t>‹#›</a:t>
             </a:fld>
@@ -317,7 +317,7 @@
     </p:spTree>
     <p:extLst>
       <p:ext uri="{BB962C8B-B14F-4D97-AF65-F5344CB8AC3E}">
-        <p14:creationId xmlns:p14="http://schemas.microsoft.com/office/powerpoint/2010/main" val="1916348180"/>
+        <p14:creationId xmlns:p14="http://schemas.microsoft.com/office/powerpoint/2010/main" val="913027529"/>
       </p:ext>
     </p:extLst>
   </p:cSld>
@@ -349,7 +349,7 @@
           <p:cNvPr id="2" name="标题 1">
             <a:extLst>
               <a:ext uri="{FF2B5EF4-FFF2-40B4-BE49-F238E27FC236}">
-                <a16:creationId xmlns:a16="http://schemas.microsoft.com/office/drawing/2014/main" id="{E9D0B18D-5DFE-C51C-2386-6EAE65A9A72C}"/>
+                <a16:creationId xmlns:a16="http://schemas.microsoft.com/office/drawing/2014/main" id="{6602CFF6-B828-0C49-0005-DBD192699C69}"/>
               </a:ext>
             </a:extLst>
           </p:cNvPr>
@@ -377,7 +377,7 @@
           <p:cNvPr id="3" name="竖排文字占位符 2">
             <a:extLst>
               <a:ext uri="{FF2B5EF4-FFF2-40B4-BE49-F238E27FC236}">
-                <a16:creationId xmlns:a16="http://schemas.microsoft.com/office/drawing/2014/main" id="{702A9B4F-1874-E144-A45E-651BF747FBDE}"/>
+                <a16:creationId xmlns:a16="http://schemas.microsoft.com/office/drawing/2014/main" id="{113D476A-5ADB-18CA-6DBE-DE604EEC8E2C}"/>
               </a:ext>
             </a:extLst>
           </p:cNvPr>
@@ -434,7 +434,7 @@
           <p:cNvPr id="4" name="日期占位符 3">
             <a:extLst>
               <a:ext uri="{FF2B5EF4-FFF2-40B4-BE49-F238E27FC236}">
-                <a16:creationId xmlns:a16="http://schemas.microsoft.com/office/drawing/2014/main" id="{30561134-E42D-3E6B-399E-307BFAFA8D4C}"/>
+                <a16:creationId xmlns:a16="http://schemas.microsoft.com/office/drawing/2014/main" id="{989BB449-4369-A174-12E9-A036AC277244}"/>
               </a:ext>
             </a:extLst>
           </p:cNvPr>
@@ -450,7 +450,7 @@
           <a:bodyPr/>
           <a:lstStyle/>
           <a:p>
-            <a:fld id="{AFAE7115-75DE-45BA-A8B4-A48DCED667E0}" type="datetimeFigureOut">
+            <a:fld id="{3E110B1A-8F3D-459F-86EF-FC7BC78BBE21}" type="datetimeFigureOut">
               <a:rPr lang="zh-CN" altLang="en-US" smtClean="0"/>
               <a:t>2024/3/10</a:t>
             </a:fld>
@@ -463,7 +463,7 @@
           <p:cNvPr id="5" name="页脚占位符 4">
             <a:extLst>
               <a:ext uri="{FF2B5EF4-FFF2-40B4-BE49-F238E27FC236}">
-                <a16:creationId xmlns:a16="http://schemas.microsoft.com/office/drawing/2014/main" id="{9D6830B7-DB0A-B76E-3E5D-CC9F7DD19F9A}"/>
+                <a16:creationId xmlns:a16="http://schemas.microsoft.com/office/drawing/2014/main" id="{6C2E2EA3-D75B-136B-8514-A1FCA2CB793C}"/>
               </a:ext>
             </a:extLst>
           </p:cNvPr>
@@ -488,7 +488,7 @@
           <p:cNvPr id="6" name="灯片编号占位符 5">
             <a:extLst>
               <a:ext uri="{FF2B5EF4-FFF2-40B4-BE49-F238E27FC236}">
-                <a16:creationId xmlns:a16="http://schemas.microsoft.com/office/drawing/2014/main" id="{E8146C13-931F-AE63-D5EF-BD2FECEB8CE5}"/>
+                <a16:creationId xmlns:a16="http://schemas.microsoft.com/office/drawing/2014/main" id="{9EBE3CB0-BF28-27A5-0264-E1898F12254B}"/>
               </a:ext>
             </a:extLst>
           </p:cNvPr>
@@ -504,7 +504,7 @@
           <a:bodyPr/>
           <a:lstStyle/>
           <a:p>
-            <a:fld id="{F44CBAC3-E87D-46A8-9B5E-58E9F94477FB}" type="slidenum">
+            <a:fld id="{F7D099B0-826E-44BB-A484-397E90C404DD}" type="slidenum">
               <a:rPr lang="zh-CN" altLang="en-US" smtClean="0"/>
               <a:t>‹#›</a:t>
             </a:fld>
@@ -515,7 +515,7 @@
     </p:spTree>
     <p:extLst>
       <p:ext uri="{BB962C8B-B14F-4D97-AF65-F5344CB8AC3E}">
-        <p14:creationId xmlns:p14="http://schemas.microsoft.com/office/powerpoint/2010/main" val="232619825"/>
+        <p14:creationId xmlns:p14="http://schemas.microsoft.com/office/powerpoint/2010/main" val="1275024767"/>
       </p:ext>
     </p:extLst>
   </p:cSld>
@@ -547,7 +547,7 @@
           <p:cNvPr id="2" name="竖排标题 1">
             <a:extLst>
               <a:ext uri="{FF2B5EF4-FFF2-40B4-BE49-F238E27FC236}">
-                <a16:creationId xmlns:a16="http://schemas.microsoft.com/office/drawing/2014/main" id="{0176A02D-0F66-F4F7-EE44-3DC94D33BA7E}"/>
+                <a16:creationId xmlns:a16="http://schemas.microsoft.com/office/drawing/2014/main" id="{234A2C9C-E26B-2DE6-7547-68F2A73A902A}"/>
               </a:ext>
             </a:extLst>
           </p:cNvPr>
@@ -580,7 +580,7 @@
           <p:cNvPr id="3" name="竖排文字占位符 2">
             <a:extLst>
               <a:ext uri="{FF2B5EF4-FFF2-40B4-BE49-F238E27FC236}">
-                <a16:creationId xmlns:a16="http://schemas.microsoft.com/office/drawing/2014/main" id="{C6C608AC-E350-49A5-A9CB-AEC4479DFBAF}"/>
+                <a16:creationId xmlns:a16="http://schemas.microsoft.com/office/drawing/2014/main" id="{D4DEE1DE-8F3E-6292-D418-BEDE0E43828B}"/>
               </a:ext>
             </a:extLst>
           </p:cNvPr>
@@ -642,7 +642,7 @@
           <p:cNvPr id="4" name="日期占位符 3">
             <a:extLst>
               <a:ext uri="{FF2B5EF4-FFF2-40B4-BE49-F238E27FC236}">
-                <a16:creationId xmlns:a16="http://schemas.microsoft.com/office/drawing/2014/main" id="{B1E09A48-4896-C6BD-EFB7-1A857F887980}"/>
+                <a16:creationId xmlns:a16="http://schemas.microsoft.com/office/drawing/2014/main" id="{414D4CF2-1F27-AE22-8D02-13B4435F128B}"/>
               </a:ext>
             </a:extLst>
           </p:cNvPr>
@@ -658,7 +658,7 @@
           <a:bodyPr/>
           <a:lstStyle/>
           <a:p>
-            <a:fld id="{AFAE7115-75DE-45BA-A8B4-A48DCED667E0}" type="datetimeFigureOut">
+            <a:fld id="{3E110B1A-8F3D-459F-86EF-FC7BC78BBE21}" type="datetimeFigureOut">
               <a:rPr lang="zh-CN" altLang="en-US" smtClean="0"/>
               <a:t>2024/3/10</a:t>
             </a:fld>
@@ -671,7 +671,7 @@
           <p:cNvPr id="5" name="页脚占位符 4">
             <a:extLst>
               <a:ext uri="{FF2B5EF4-FFF2-40B4-BE49-F238E27FC236}">
-                <a16:creationId xmlns:a16="http://schemas.microsoft.com/office/drawing/2014/main" id="{95863625-54BB-A8A0-2735-2DEDB8E29473}"/>
+                <a16:creationId xmlns:a16="http://schemas.microsoft.com/office/drawing/2014/main" id="{0D825095-FF64-4F28-AD3C-A929E8CD37CC}"/>
               </a:ext>
             </a:extLst>
           </p:cNvPr>
@@ -696,7 +696,7 @@
           <p:cNvPr id="6" name="灯片编号占位符 5">
             <a:extLst>
               <a:ext uri="{FF2B5EF4-FFF2-40B4-BE49-F238E27FC236}">
-                <a16:creationId xmlns:a16="http://schemas.microsoft.com/office/drawing/2014/main" id="{BD6B7790-ED77-37AC-4730-3E565F9544EB}"/>
+                <a16:creationId xmlns:a16="http://schemas.microsoft.com/office/drawing/2014/main" id="{AB63B0C1-9E80-A433-66B9-0719D7C7BE54}"/>
               </a:ext>
             </a:extLst>
           </p:cNvPr>
@@ -712,7 +712,7 @@
           <a:bodyPr/>
           <a:lstStyle/>
           <a:p>
-            <a:fld id="{F44CBAC3-E87D-46A8-9B5E-58E9F94477FB}" type="slidenum">
+            <a:fld id="{F7D099B0-826E-44BB-A484-397E90C404DD}" type="slidenum">
               <a:rPr lang="zh-CN" altLang="en-US" smtClean="0"/>
               <a:t>‹#›</a:t>
             </a:fld>
@@ -723,7 +723,7 @@
     </p:spTree>
     <p:extLst>
       <p:ext uri="{BB962C8B-B14F-4D97-AF65-F5344CB8AC3E}">
-        <p14:creationId xmlns:p14="http://schemas.microsoft.com/office/powerpoint/2010/main" val="2043031338"/>
+        <p14:creationId xmlns:p14="http://schemas.microsoft.com/office/powerpoint/2010/main" val="3779830140"/>
       </p:ext>
     </p:extLst>
   </p:cSld>
@@ -755,7 +755,7 @@
           <p:cNvPr id="2" name="标题 1">
             <a:extLst>
               <a:ext uri="{FF2B5EF4-FFF2-40B4-BE49-F238E27FC236}">
-                <a16:creationId xmlns:a16="http://schemas.microsoft.com/office/drawing/2014/main" id="{16CBF00A-6061-C629-5E36-3898503836E1}"/>
+                <a16:creationId xmlns:a16="http://schemas.microsoft.com/office/drawing/2014/main" id="{247FC3D5-FA20-8CD2-B79F-A677D125EBDB}"/>
               </a:ext>
             </a:extLst>
           </p:cNvPr>
@@ -783,7 +783,7 @@
           <p:cNvPr id="3" name="内容占位符 2">
             <a:extLst>
               <a:ext uri="{FF2B5EF4-FFF2-40B4-BE49-F238E27FC236}">
-                <a16:creationId xmlns:a16="http://schemas.microsoft.com/office/drawing/2014/main" id="{821B80DC-0351-A460-B835-AEAF3D5A0001}"/>
+                <a16:creationId xmlns:a16="http://schemas.microsoft.com/office/drawing/2014/main" id="{C4098857-BD79-7260-20FD-0BDCD9C1667B}"/>
               </a:ext>
             </a:extLst>
           </p:cNvPr>
@@ -840,7 +840,7 @@
           <p:cNvPr id="4" name="日期占位符 3">
             <a:extLst>
               <a:ext uri="{FF2B5EF4-FFF2-40B4-BE49-F238E27FC236}">
-                <a16:creationId xmlns:a16="http://schemas.microsoft.com/office/drawing/2014/main" id="{091E121A-8F9B-0D22-9F40-5307258051FD}"/>
+                <a16:creationId xmlns:a16="http://schemas.microsoft.com/office/drawing/2014/main" id="{2B3CCA54-1973-9AF2-C189-E08B10182F19}"/>
               </a:ext>
             </a:extLst>
           </p:cNvPr>
@@ -856,7 +856,7 @@
           <a:bodyPr/>
           <a:lstStyle/>
           <a:p>
-            <a:fld id="{AFAE7115-75DE-45BA-A8B4-A48DCED667E0}" type="datetimeFigureOut">
+            <a:fld id="{3E110B1A-8F3D-459F-86EF-FC7BC78BBE21}" type="datetimeFigureOut">
               <a:rPr lang="zh-CN" altLang="en-US" smtClean="0"/>
               <a:t>2024/3/10</a:t>
             </a:fld>
@@ -869,7 +869,7 @@
           <p:cNvPr id="5" name="页脚占位符 4">
             <a:extLst>
               <a:ext uri="{FF2B5EF4-FFF2-40B4-BE49-F238E27FC236}">
-                <a16:creationId xmlns:a16="http://schemas.microsoft.com/office/drawing/2014/main" id="{9629016B-ADC1-6B5A-1AC2-4CFA158209DF}"/>
+                <a16:creationId xmlns:a16="http://schemas.microsoft.com/office/drawing/2014/main" id="{D23671AB-BF40-E79F-67AD-3C7FC195AEBB}"/>
               </a:ext>
             </a:extLst>
           </p:cNvPr>
@@ -894,7 +894,7 @@
           <p:cNvPr id="6" name="灯片编号占位符 5">
             <a:extLst>
               <a:ext uri="{FF2B5EF4-FFF2-40B4-BE49-F238E27FC236}">
-                <a16:creationId xmlns:a16="http://schemas.microsoft.com/office/drawing/2014/main" id="{66008ED5-024F-EB71-E48F-1658DE8372B9}"/>
+                <a16:creationId xmlns:a16="http://schemas.microsoft.com/office/drawing/2014/main" id="{D689C244-680E-3282-98C7-63E5AD8A5AEE}"/>
               </a:ext>
             </a:extLst>
           </p:cNvPr>
@@ -910,7 +910,7 @@
           <a:bodyPr/>
           <a:lstStyle/>
           <a:p>
-            <a:fld id="{F44CBAC3-E87D-46A8-9B5E-58E9F94477FB}" type="slidenum">
+            <a:fld id="{F7D099B0-826E-44BB-A484-397E90C404DD}" type="slidenum">
               <a:rPr lang="zh-CN" altLang="en-US" smtClean="0"/>
               <a:t>‹#›</a:t>
             </a:fld>
@@ -921,7 +921,7 @@
     </p:spTree>
     <p:extLst>
       <p:ext uri="{BB962C8B-B14F-4D97-AF65-F5344CB8AC3E}">
-        <p14:creationId xmlns:p14="http://schemas.microsoft.com/office/powerpoint/2010/main" val="1655056402"/>
+        <p14:creationId xmlns:p14="http://schemas.microsoft.com/office/powerpoint/2010/main" val="1439904754"/>
       </p:ext>
     </p:extLst>
   </p:cSld>
@@ -953,7 +953,7 @@
           <p:cNvPr id="2" name="标题 1">
             <a:extLst>
               <a:ext uri="{FF2B5EF4-FFF2-40B4-BE49-F238E27FC236}">
-                <a16:creationId xmlns:a16="http://schemas.microsoft.com/office/drawing/2014/main" id="{BA357134-0FE7-E2CF-9F36-0D81C10640CA}"/>
+                <a16:creationId xmlns:a16="http://schemas.microsoft.com/office/drawing/2014/main" id="{18999CC8-37F5-4E31-0FC5-5DBECE4F5FA8}"/>
               </a:ext>
             </a:extLst>
           </p:cNvPr>
@@ -990,7 +990,7 @@
           <p:cNvPr id="3" name="文本占位符 2">
             <a:extLst>
               <a:ext uri="{FF2B5EF4-FFF2-40B4-BE49-F238E27FC236}">
-                <a16:creationId xmlns:a16="http://schemas.microsoft.com/office/drawing/2014/main" id="{97AA1310-06DC-6457-E7F6-7A140B0A8BDA}"/>
+                <a16:creationId xmlns:a16="http://schemas.microsoft.com/office/drawing/2014/main" id="{ABD44211-C4C1-3EB9-241F-EF4ED06794C1}"/>
               </a:ext>
             </a:extLst>
           </p:cNvPr>
@@ -1115,7 +1115,7 @@
           <p:cNvPr id="4" name="日期占位符 3">
             <a:extLst>
               <a:ext uri="{FF2B5EF4-FFF2-40B4-BE49-F238E27FC236}">
-                <a16:creationId xmlns:a16="http://schemas.microsoft.com/office/drawing/2014/main" id="{E83D5547-266D-022D-6E18-86459F995548}"/>
+                <a16:creationId xmlns:a16="http://schemas.microsoft.com/office/drawing/2014/main" id="{072C028B-CA8B-5410-CFEB-436BA7891961}"/>
               </a:ext>
             </a:extLst>
           </p:cNvPr>
@@ -1131,7 +1131,7 @@
           <a:bodyPr/>
           <a:lstStyle/>
           <a:p>
-            <a:fld id="{AFAE7115-75DE-45BA-A8B4-A48DCED667E0}" type="datetimeFigureOut">
+            <a:fld id="{3E110B1A-8F3D-459F-86EF-FC7BC78BBE21}" type="datetimeFigureOut">
               <a:rPr lang="zh-CN" altLang="en-US" smtClean="0"/>
               <a:t>2024/3/10</a:t>
             </a:fld>
@@ -1144,7 +1144,7 @@
           <p:cNvPr id="5" name="页脚占位符 4">
             <a:extLst>
               <a:ext uri="{FF2B5EF4-FFF2-40B4-BE49-F238E27FC236}">
-                <a16:creationId xmlns:a16="http://schemas.microsoft.com/office/drawing/2014/main" id="{FB7D5457-870E-E830-FD6B-A9F9FC09B647}"/>
+                <a16:creationId xmlns:a16="http://schemas.microsoft.com/office/drawing/2014/main" id="{83CAF1DE-24AC-A460-3947-16DACB256911}"/>
               </a:ext>
             </a:extLst>
           </p:cNvPr>
@@ -1169,7 +1169,7 @@
           <p:cNvPr id="6" name="灯片编号占位符 5">
             <a:extLst>
               <a:ext uri="{FF2B5EF4-FFF2-40B4-BE49-F238E27FC236}">
-                <a16:creationId xmlns:a16="http://schemas.microsoft.com/office/drawing/2014/main" id="{B780997A-FC23-4E1B-1472-AC00DB551DFD}"/>
+                <a16:creationId xmlns:a16="http://schemas.microsoft.com/office/drawing/2014/main" id="{F9D66DD6-5942-AA62-E594-C00B4489CB8D}"/>
               </a:ext>
             </a:extLst>
           </p:cNvPr>
@@ -1185,7 +1185,7 @@
           <a:bodyPr/>
           <a:lstStyle/>
           <a:p>
-            <a:fld id="{F44CBAC3-E87D-46A8-9B5E-58E9F94477FB}" type="slidenum">
+            <a:fld id="{F7D099B0-826E-44BB-A484-397E90C404DD}" type="slidenum">
               <a:rPr lang="zh-CN" altLang="en-US" smtClean="0"/>
               <a:t>‹#›</a:t>
             </a:fld>
@@ -1196,7 +1196,7 @@
     </p:spTree>
     <p:extLst>
       <p:ext uri="{BB962C8B-B14F-4D97-AF65-F5344CB8AC3E}">
-        <p14:creationId xmlns:p14="http://schemas.microsoft.com/office/powerpoint/2010/main" val="3232031909"/>
+        <p14:creationId xmlns:p14="http://schemas.microsoft.com/office/powerpoint/2010/main" val="1754338594"/>
       </p:ext>
     </p:extLst>
   </p:cSld>
@@ -1228,7 +1228,7 @@
           <p:cNvPr id="2" name="标题 1">
             <a:extLst>
               <a:ext uri="{FF2B5EF4-FFF2-40B4-BE49-F238E27FC236}">
-                <a16:creationId xmlns:a16="http://schemas.microsoft.com/office/drawing/2014/main" id="{9D6FCC57-D303-D2EF-253E-F649BB65BCB9}"/>
+                <a16:creationId xmlns:a16="http://schemas.microsoft.com/office/drawing/2014/main" id="{CE2CF707-C595-F4FF-4652-2B536EDAD039}"/>
               </a:ext>
             </a:extLst>
           </p:cNvPr>
@@ -1256,7 +1256,7 @@
           <p:cNvPr id="3" name="内容占位符 2">
             <a:extLst>
               <a:ext uri="{FF2B5EF4-FFF2-40B4-BE49-F238E27FC236}">
-                <a16:creationId xmlns:a16="http://schemas.microsoft.com/office/drawing/2014/main" id="{523014AD-1C02-330F-12F6-F7D69257F8D2}"/>
+                <a16:creationId xmlns:a16="http://schemas.microsoft.com/office/drawing/2014/main" id="{6DA234E8-9334-DB80-9DDF-7FB39F01A9FB}"/>
               </a:ext>
             </a:extLst>
           </p:cNvPr>
@@ -1318,7 +1318,7 @@
           <p:cNvPr id="4" name="内容占位符 3">
             <a:extLst>
               <a:ext uri="{FF2B5EF4-FFF2-40B4-BE49-F238E27FC236}">
-                <a16:creationId xmlns:a16="http://schemas.microsoft.com/office/drawing/2014/main" id="{FBC6EDF8-B01B-E659-B07B-C6DA96E974B6}"/>
+                <a16:creationId xmlns:a16="http://schemas.microsoft.com/office/drawing/2014/main" id="{2B794F47-A022-E2B8-49A8-59CF4467FA1A}"/>
               </a:ext>
             </a:extLst>
           </p:cNvPr>
@@ -1380,7 +1380,7 @@
           <p:cNvPr id="5" name="日期占位符 4">
             <a:extLst>
               <a:ext uri="{FF2B5EF4-FFF2-40B4-BE49-F238E27FC236}">
-                <a16:creationId xmlns:a16="http://schemas.microsoft.com/office/drawing/2014/main" id="{44A20B7B-227E-16E4-F60C-FED19DD1B218}"/>
+                <a16:creationId xmlns:a16="http://schemas.microsoft.com/office/drawing/2014/main" id="{5F3E966D-684D-C192-0B11-C7DAE767BDB4}"/>
               </a:ext>
             </a:extLst>
           </p:cNvPr>
@@ -1396,7 +1396,7 @@
           <a:bodyPr/>
           <a:lstStyle/>
           <a:p>
-            <a:fld id="{AFAE7115-75DE-45BA-A8B4-A48DCED667E0}" type="datetimeFigureOut">
+            <a:fld id="{3E110B1A-8F3D-459F-86EF-FC7BC78BBE21}" type="datetimeFigureOut">
               <a:rPr lang="zh-CN" altLang="en-US" smtClean="0"/>
               <a:t>2024/3/10</a:t>
             </a:fld>
@@ -1409,7 +1409,7 @@
           <p:cNvPr id="6" name="页脚占位符 5">
             <a:extLst>
               <a:ext uri="{FF2B5EF4-FFF2-40B4-BE49-F238E27FC236}">
-                <a16:creationId xmlns:a16="http://schemas.microsoft.com/office/drawing/2014/main" id="{A86626D3-8430-3C89-57F0-54E425789C76}"/>
+                <a16:creationId xmlns:a16="http://schemas.microsoft.com/office/drawing/2014/main" id="{B2F179A4-6BE5-261C-5EAF-1E687BBF820F}"/>
               </a:ext>
             </a:extLst>
           </p:cNvPr>
@@ -1434,7 +1434,7 @@
           <p:cNvPr id="7" name="灯片编号占位符 6">
             <a:extLst>
               <a:ext uri="{FF2B5EF4-FFF2-40B4-BE49-F238E27FC236}">
-                <a16:creationId xmlns:a16="http://schemas.microsoft.com/office/drawing/2014/main" id="{645084F3-3E51-B226-7A9D-88187EFB8A97}"/>
+                <a16:creationId xmlns:a16="http://schemas.microsoft.com/office/drawing/2014/main" id="{7EF97926-3E04-ED5D-E213-A78D0EBD66CA}"/>
               </a:ext>
             </a:extLst>
           </p:cNvPr>
@@ -1450,7 +1450,7 @@
           <a:bodyPr/>
           <a:lstStyle/>
           <a:p>
-            <a:fld id="{F44CBAC3-E87D-46A8-9B5E-58E9F94477FB}" type="slidenum">
+            <a:fld id="{F7D099B0-826E-44BB-A484-397E90C404DD}" type="slidenum">
               <a:rPr lang="zh-CN" altLang="en-US" smtClean="0"/>
               <a:t>‹#›</a:t>
             </a:fld>
@@ -1461,7 +1461,7 @@
     </p:spTree>
     <p:extLst>
       <p:ext uri="{BB962C8B-B14F-4D97-AF65-F5344CB8AC3E}">
-        <p14:creationId xmlns:p14="http://schemas.microsoft.com/office/powerpoint/2010/main" val="1126366997"/>
+        <p14:creationId xmlns:p14="http://schemas.microsoft.com/office/powerpoint/2010/main" val="1116997784"/>
       </p:ext>
     </p:extLst>
   </p:cSld>
@@ -1493,7 +1493,7 @@
           <p:cNvPr id="2" name="标题 1">
             <a:extLst>
               <a:ext uri="{FF2B5EF4-FFF2-40B4-BE49-F238E27FC236}">
-                <a16:creationId xmlns:a16="http://schemas.microsoft.com/office/drawing/2014/main" id="{7CB50D71-6837-40BC-190C-E62A49891468}"/>
+                <a16:creationId xmlns:a16="http://schemas.microsoft.com/office/drawing/2014/main" id="{99F03DCE-F273-A4AA-5B63-BCC44D9AA890}"/>
               </a:ext>
             </a:extLst>
           </p:cNvPr>
@@ -1526,7 +1526,7 @@
           <p:cNvPr id="3" name="文本占位符 2">
             <a:extLst>
               <a:ext uri="{FF2B5EF4-FFF2-40B4-BE49-F238E27FC236}">
-                <a16:creationId xmlns:a16="http://schemas.microsoft.com/office/drawing/2014/main" id="{380B7368-C997-D47B-9D76-AF18EE2673D2}"/>
+                <a16:creationId xmlns:a16="http://schemas.microsoft.com/office/drawing/2014/main" id="{C7852F4C-7978-46A8-D5DD-B24A453ACE35}"/>
               </a:ext>
             </a:extLst>
           </p:cNvPr>
@@ -1597,7 +1597,7 @@
           <p:cNvPr id="4" name="内容占位符 3">
             <a:extLst>
               <a:ext uri="{FF2B5EF4-FFF2-40B4-BE49-F238E27FC236}">
-                <a16:creationId xmlns:a16="http://schemas.microsoft.com/office/drawing/2014/main" id="{EF4E35F2-0826-9034-CE4E-A40DDD02593F}"/>
+                <a16:creationId xmlns:a16="http://schemas.microsoft.com/office/drawing/2014/main" id="{4A590287-3787-10D2-09CF-1B84C678E3B8}"/>
               </a:ext>
             </a:extLst>
           </p:cNvPr>
@@ -1659,7 +1659,7 @@
           <p:cNvPr id="5" name="文本占位符 4">
             <a:extLst>
               <a:ext uri="{FF2B5EF4-FFF2-40B4-BE49-F238E27FC236}">
-                <a16:creationId xmlns:a16="http://schemas.microsoft.com/office/drawing/2014/main" id="{7EC7847F-D662-B102-43F9-CE2AB1CFD9C1}"/>
+                <a16:creationId xmlns:a16="http://schemas.microsoft.com/office/drawing/2014/main" id="{11954C73-7806-F056-393C-1BDAF2564F78}"/>
               </a:ext>
             </a:extLst>
           </p:cNvPr>
@@ -1730,7 +1730,7 @@
           <p:cNvPr id="6" name="内容占位符 5">
             <a:extLst>
               <a:ext uri="{FF2B5EF4-FFF2-40B4-BE49-F238E27FC236}">
-                <a16:creationId xmlns:a16="http://schemas.microsoft.com/office/drawing/2014/main" id="{B0DEA120-FFDD-62FB-71D5-430403F842EE}"/>
+                <a16:creationId xmlns:a16="http://schemas.microsoft.com/office/drawing/2014/main" id="{D1CD4F66-BA12-6D07-C9B5-2128CBCBDCDE}"/>
               </a:ext>
             </a:extLst>
           </p:cNvPr>
@@ -1792,7 +1792,7 @@
           <p:cNvPr id="7" name="日期占位符 6">
             <a:extLst>
               <a:ext uri="{FF2B5EF4-FFF2-40B4-BE49-F238E27FC236}">
-                <a16:creationId xmlns:a16="http://schemas.microsoft.com/office/drawing/2014/main" id="{D2210C5F-E48E-B7C3-24B5-43E585015B9C}"/>
+                <a16:creationId xmlns:a16="http://schemas.microsoft.com/office/drawing/2014/main" id="{79ADEF3B-04C8-C414-FB83-491A33B316AD}"/>
               </a:ext>
             </a:extLst>
           </p:cNvPr>
@@ -1808,7 +1808,7 @@
           <a:bodyPr/>
           <a:lstStyle/>
           <a:p>
-            <a:fld id="{AFAE7115-75DE-45BA-A8B4-A48DCED667E0}" type="datetimeFigureOut">
+            <a:fld id="{3E110B1A-8F3D-459F-86EF-FC7BC78BBE21}" type="datetimeFigureOut">
               <a:rPr lang="zh-CN" altLang="en-US" smtClean="0"/>
               <a:t>2024/3/10</a:t>
             </a:fld>
@@ -1821,7 +1821,7 @@
           <p:cNvPr id="8" name="页脚占位符 7">
             <a:extLst>
               <a:ext uri="{FF2B5EF4-FFF2-40B4-BE49-F238E27FC236}">
-                <a16:creationId xmlns:a16="http://schemas.microsoft.com/office/drawing/2014/main" id="{66D4FA95-3E4D-2E6A-EF41-8D6ABE2E7E7A}"/>
+                <a16:creationId xmlns:a16="http://schemas.microsoft.com/office/drawing/2014/main" id="{66578B45-6304-0F3D-5573-18939E0E19F6}"/>
               </a:ext>
             </a:extLst>
           </p:cNvPr>
@@ -1846,7 +1846,7 @@
           <p:cNvPr id="9" name="灯片编号占位符 8">
             <a:extLst>
               <a:ext uri="{FF2B5EF4-FFF2-40B4-BE49-F238E27FC236}">
-                <a16:creationId xmlns:a16="http://schemas.microsoft.com/office/drawing/2014/main" id="{3ECF8F8C-4FC1-2B02-7A0E-85272BA3F796}"/>
+                <a16:creationId xmlns:a16="http://schemas.microsoft.com/office/drawing/2014/main" id="{74DF9933-99B4-ADE7-92EA-11CE8107F2D2}"/>
               </a:ext>
             </a:extLst>
           </p:cNvPr>
@@ -1862,7 +1862,7 @@
           <a:bodyPr/>
           <a:lstStyle/>
           <a:p>
-            <a:fld id="{F44CBAC3-E87D-46A8-9B5E-58E9F94477FB}" type="slidenum">
+            <a:fld id="{F7D099B0-826E-44BB-A484-397E90C404DD}" type="slidenum">
               <a:rPr lang="zh-CN" altLang="en-US" smtClean="0"/>
               <a:t>‹#›</a:t>
             </a:fld>
@@ -1873,7 +1873,7 @@
     </p:spTree>
     <p:extLst>
       <p:ext uri="{BB962C8B-B14F-4D97-AF65-F5344CB8AC3E}">
-        <p14:creationId xmlns:p14="http://schemas.microsoft.com/office/powerpoint/2010/main" val="2854221189"/>
+        <p14:creationId xmlns:p14="http://schemas.microsoft.com/office/powerpoint/2010/main" val="1399908634"/>
       </p:ext>
     </p:extLst>
   </p:cSld>
@@ -1905,7 +1905,7 @@
           <p:cNvPr id="2" name="标题 1">
             <a:extLst>
               <a:ext uri="{FF2B5EF4-FFF2-40B4-BE49-F238E27FC236}">
-                <a16:creationId xmlns:a16="http://schemas.microsoft.com/office/drawing/2014/main" id="{74BB34EC-241F-F091-4957-3A296B59BF37}"/>
+                <a16:creationId xmlns:a16="http://schemas.microsoft.com/office/drawing/2014/main" id="{0783D927-2E72-EE2C-66B0-C6661E21B659}"/>
               </a:ext>
             </a:extLst>
           </p:cNvPr>
@@ -1933,7 +1933,7 @@
           <p:cNvPr id="3" name="日期占位符 2">
             <a:extLst>
               <a:ext uri="{FF2B5EF4-FFF2-40B4-BE49-F238E27FC236}">
-                <a16:creationId xmlns:a16="http://schemas.microsoft.com/office/drawing/2014/main" id="{196DBDCE-E09F-66B3-75DA-5240C4DBE7BF}"/>
+                <a16:creationId xmlns:a16="http://schemas.microsoft.com/office/drawing/2014/main" id="{E55CB903-31BF-F747-06A4-235E584AA736}"/>
               </a:ext>
             </a:extLst>
           </p:cNvPr>
@@ -1949,7 +1949,7 @@
           <a:bodyPr/>
           <a:lstStyle/>
           <a:p>
-            <a:fld id="{AFAE7115-75DE-45BA-A8B4-A48DCED667E0}" type="datetimeFigureOut">
+            <a:fld id="{3E110B1A-8F3D-459F-86EF-FC7BC78BBE21}" type="datetimeFigureOut">
               <a:rPr lang="zh-CN" altLang="en-US" smtClean="0"/>
               <a:t>2024/3/10</a:t>
             </a:fld>
@@ -1962,7 +1962,7 @@
           <p:cNvPr id="4" name="页脚占位符 3">
             <a:extLst>
               <a:ext uri="{FF2B5EF4-FFF2-40B4-BE49-F238E27FC236}">
-                <a16:creationId xmlns:a16="http://schemas.microsoft.com/office/drawing/2014/main" id="{0131DB98-DA53-C2F5-0304-0972A7B8100A}"/>
+                <a16:creationId xmlns:a16="http://schemas.microsoft.com/office/drawing/2014/main" id="{F127AC88-2399-04D4-45F8-AE228D79428C}"/>
               </a:ext>
             </a:extLst>
           </p:cNvPr>
@@ -1987,7 +1987,7 @@
           <p:cNvPr id="5" name="灯片编号占位符 4">
             <a:extLst>
               <a:ext uri="{FF2B5EF4-FFF2-40B4-BE49-F238E27FC236}">
-                <a16:creationId xmlns:a16="http://schemas.microsoft.com/office/drawing/2014/main" id="{30DBDA50-4DAD-DB34-CAF7-9D35756D3209}"/>
+                <a16:creationId xmlns:a16="http://schemas.microsoft.com/office/drawing/2014/main" id="{14E1FEC0-C72D-1200-3136-D0A33175D87D}"/>
               </a:ext>
             </a:extLst>
           </p:cNvPr>
@@ -2003,7 +2003,7 @@
           <a:bodyPr/>
           <a:lstStyle/>
           <a:p>
-            <a:fld id="{F44CBAC3-E87D-46A8-9B5E-58E9F94477FB}" type="slidenum">
+            <a:fld id="{F7D099B0-826E-44BB-A484-397E90C404DD}" type="slidenum">
               <a:rPr lang="zh-CN" altLang="en-US" smtClean="0"/>
               <a:t>‹#›</a:t>
             </a:fld>
@@ -2014,7 +2014,7 @@
     </p:spTree>
     <p:extLst>
       <p:ext uri="{BB962C8B-B14F-4D97-AF65-F5344CB8AC3E}">
-        <p14:creationId xmlns:p14="http://schemas.microsoft.com/office/powerpoint/2010/main" val="867970844"/>
+        <p14:creationId xmlns:p14="http://schemas.microsoft.com/office/powerpoint/2010/main" val="1911742766"/>
       </p:ext>
     </p:extLst>
   </p:cSld>
@@ -2046,7 +2046,7 @@
           <p:cNvPr id="2" name="日期占位符 1">
             <a:extLst>
               <a:ext uri="{FF2B5EF4-FFF2-40B4-BE49-F238E27FC236}">
-                <a16:creationId xmlns:a16="http://schemas.microsoft.com/office/drawing/2014/main" id="{BC18C017-5D9E-78FF-3B06-8C556ADED327}"/>
+                <a16:creationId xmlns:a16="http://schemas.microsoft.com/office/drawing/2014/main" id="{3C75F305-410C-945B-7377-4C0160BF9E6D}"/>
               </a:ext>
             </a:extLst>
           </p:cNvPr>
@@ -2062,7 +2062,7 @@
           <a:bodyPr/>
           <a:lstStyle/>
           <a:p>
-            <a:fld id="{AFAE7115-75DE-45BA-A8B4-A48DCED667E0}" type="datetimeFigureOut">
+            <a:fld id="{3E110B1A-8F3D-459F-86EF-FC7BC78BBE21}" type="datetimeFigureOut">
               <a:rPr lang="zh-CN" altLang="en-US" smtClean="0"/>
               <a:t>2024/3/10</a:t>
             </a:fld>
@@ -2075,7 +2075,7 @@
           <p:cNvPr id="3" name="页脚占位符 2">
             <a:extLst>
               <a:ext uri="{FF2B5EF4-FFF2-40B4-BE49-F238E27FC236}">
-                <a16:creationId xmlns:a16="http://schemas.microsoft.com/office/drawing/2014/main" id="{E4143959-4F7A-4CF5-ACA9-85D5FE95D209}"/>
+                <a16:creationId xmlns:a16="http://schemas.microsoft.com/office/drawing/2014/main" id="{CFB376E1-8009-6ACC-B161-76919D50AF45}"/>
               </a:ext>
             </a:extLst>
           </p:cNvPr>
@@ -2100,7 +2100,7 @@
           <p:cNvPr id="4" name="灯片编号占位符 3">
             <a:extLst>
               <a:ext uri="{FF2B5EF4-FFF2-40B4-BE49-F238E27FC236}">
-                <a16:creationId xmlns:a16="http://schemas.microsoft.com/office/drawing/2014/main" id="{14CFDC15-15EA-25D9-3E76-49E936316B50}"/>
+                <a16:creationId xmlns:a16="http://schemas.microsoft.com/office/drawing/2014/main" id="{601803A1-5F1F-0BAF-ECED-3B208E1FC7FD}"/>
               </a:ext>
             </a:extLst>
           </p:cNvPr>
@@ -2116,7 +2116,7 @@
           <a:bodyPr/>
           <a:lstStyle/>
           <a:p>
-            <a:fld id="{F44CBAC3-E87D-46A8-9B5E-58E9F94477FB}" type="slidenum">
+            <a:fld id="{F7D099B0-826E-44BB-A484-397E90C404DD}" type="slidenum">
               <a:rPr lang="zh-CN" altLang="en-US" smtClean="0"/>
               <a:t>‹#›</a:t>
             </a:fld>
@@ -2127,7 +2127,7 @@
     </p:spTree>
     <p:extLst>
       <p:ext uri="{BB962C8B-B14F-4D97-AF65-F5344CB8AC3E}">
-        <p14:creationId xmlns:p14="http://schemas.microsoft.com/office/powerpoint/2010/main" val="650381336"/>
+        <p14:creationId xmlns:p14="http://schemas.microsoft.com/office/powerpoint/2010/main" val="2655818679"/>
       </p:ext>
     </p:extLst>
   </p:cSld>
@@ -2159,7 +2159,7 @@
           <p:cNvPr id="2" name="标题 1">
             <a:extLst>
               <a:ext uri="{FF2B5EF4-FFF2-40B4-BE49-F238E27FC236}">
-                <a16:creationId xmlns:a16="http://schemas.microsoft.com/office/drawing/2014/main" id="{CECC8D51-966E-77F1-E9CA-4967FBB2F647}"/>
+                <a16:creationId xmlns:a16="http://schemas.microsoft.com/office/drawing/2014/main" id="{FC8F875F-ABA3-6118-7B22-5E7B927AFFC4}"/>
               </a:ext>
             </a:extLst>
           </p:cNvPr>
@@ -2196,7 +2196,7 @@
           <p:cNvPr id="3" name="内容占位符 2">
             <a:extLst>
               <a:ext uri="{FF2B5EF4-FFF2-40B4-BE49-F238E27FC236}">
-                <a16:creationId xmlns:a16="http://schemas.microsoft.com/office/drawing/2014/main" id="{A7368014-DFA6-D738-3075-DA14B41885E0}"/>
+                <a16:creationId xmlns:a16="http://schemas.microsoft.com/office/drawing/2014/main" id="{3F13017F-C4B9-6CC4-BCBA-76E6E15004AE}"/>
               </a:ext>
             </a:extLst>
           </p:cNvPr>
@@ -2286,7 +2286,7 @@
           <p:cNvPr id="4" name="文本占位符 3">
             <a:extLst>
               <a:ext uri="{FF2B5EF4-FFF2-40B4-BE49-F238E27FC236}">
-                <a16:creationId xmlns:a16="http://schemas.microsoft.com/office/drawing/2014/main" id="{B8B9755D-09E6-97F5-36AE-F4E8A4F03AD8}"/>
+                <a16:creationId xmlns:a16="http://schemas.microsoft.com/office/drawing/2014/main" id="{646DAEE1-0BA1-7733-8CFB-40EBB3B749B6}"/>
               </a:ext>
             </a:extLst>
           </p:cNvPr>
@@ -2357,7 +2357,7 @@
           <p:cNvPr id="5" name="日期占位符 4">
             <a:extLst>
               <a:ext uri="{FF2B5EF4-FFF2-40B4-BE49-F238E27FC236}">
-                <a16:creationId xmlns:a16="http://schemas.microsoft.com/office/drawing/2014/main" id="{B2899148-8251-0A10-7DBC-36ED1A8CD35C}"/>
+                <a16:creationId xmlns:a16="http://schemas.microsoft.com/office/drawing/2014/main" id="{D0C652D6-F3C1-0769-1E4B-4CE8F5C4697D}"/>
               </a:ext>
             </a:extLst>
           </p:cNvPr>
@@ -2373,7 +2373,7 @@
           <a:bodyPr/>
           <a:lstStyle/>
           <a:p>
-            <a:fld id="{AFAE7115-75DE-45BA-A8B4-A48DCED667E0}" type="datetimeFigureOut">
+            <a:fld id="{3E110B1A-8F3D-459F-86EF-FC7BC78BBE21}" type="datetimeFigureOut">
               <a:rPr lang="zh-CN" altLang="en-US" smtClean="0"/>
               <a:t>2024/3/10</a:t>
             </a:fld>
@@ -2386,7 +2386,7 @@
           <p:cNvPr id="6" name="页脚占位符 5">
             <a:extLst>
               <a:ext uri="{FF2B5EF4-FFF2-40B4-BE49-F238E27FC236}">
-                <a16:creationId xmlns:a16="http://schemas.microsoft.com/office/drawing/2014/main" id="{09136037-55AA-73E2-EFCF-D82216085441}"/>
+                <a16:creationId xmlns:a16="http://schemas.microsoft.com/office/drawing/2014/main" id="{96E03C7D-0106-12EC-46A0-3AE23057AD70}"/>
               </a:ext>
             </a:extLst>
           </p:cNvPr>
@@ -2411,7 +2411,7 @@
           <p:cNvPr id="7" name="灯片编号占位符 6">
             <a:extLst>
               <a:ext uri="{FF2B5EF4-FFF2-40B4-BE49-F238E27FC236}">
-                <a16:creationId xmlns:a16="http://schemas.microsoft.com/office/drawing/2014/main" id="{7492E12A-9609-5053-883B-7CA2591F9909}"/>
+                <a16:creationId xmlns:a16="http://schemas.microsoft.com/office/drawing/2014/main" id="{E9DD9746-9EB8-8F11-3E3C-84AED7968ECE}"/>
               </a:ext>
             </a:extLst>
           </p:cNvPr>
@@ -2427,7 +2427,7 @@
           <a:bodyPr/>
           <a:lstStyle/>
           <a:p>
-            <a:fld id="{F44CBAC3-E87D-46A8-9B5E-58E9F94477FB}" type="slidenum">
+            <a:fld id="{F7D099B0-826E-44BB-A484-397E90C404DD}" type="slidenum">
               <a:rPr lang="zh-CN" altLang="en-US" smtClean="0"/>
               <a:t>‹#›</a:t>
             </a:fld>
@@ -2438,7 +2438,7 @@
     </p:spTree>
     <p:extLst>
       <p:ext uri="{BB962C8B-B14F-4D97-AF65-F5344CB8AC3E}">
-        <p14:creationId xmlns:p14="http://schemas.microsoft.com/office/powerpoint/2010/main" val="3792890945"/>
+        <p14:creationId xmlns:p14="http://schemas.microsoft.com/office/powerpoint/2010/main" val="3983568737"/>
       </p:ext>
     </p:extLst>
   </p:cSld>
@@ -2470,7 +2470,7 @@
           <p:cNvPr id="2" name="标题 1">
             <a:extLst>
               <a:ext uri="{FF2B5EF4-FFF2-40B4-BE49-F238E27FC236}">
-                <a16:creationId xmlns:a16="http://schemas.microsoft.com/office/drawing/2014/main" id="{D5AC48B6-1739-0E64-49E9-946554013C2F}"/>
+                <a16:creationId xmlns:a16="http://schemas.microsoft.com/office/drawing/2014/main" id="{58D17A5C-B77F-92B7-B3C7-C00AEB7CD5A4}"/>
               </a:ext>
             </a:extLst>
           </p:cNvPr>
@@ -2507,7 +2507,7 @@
           <p:cNvPr id="3" name="图片占位符 2">
             <a:extLst>
               <a:ext uri="{FF2B5EF4-FFF2-40B4-BE49-F238E27FC236}">
-                <a16:creationId xmlns:a16="http://schemas.microsoft.com/office/drawing/2014/main" id="{96EE0DDD-6756-17FF-7C2B-82636EB36321}"/>
+                <a16:creationId xmlns:a16="http://schemas.microsoft.com/office/drawing/2014/main" id="{25FA8512-A700-B4E0-FCF8-1580D5094875}"/>
               </a:ext>
             </a:extLst>
           </p:cNvPr>
@@ -2574,7 +2574,7 @@
           <p:cNvPr id="4" name="文本占位符 3">
             <a:extLst>
               <a:ext uri="{FF2B5EF4-FFF2-40B4-BE49-F238E27FC236}">
-                <a16:creationId xmlns:a16="http://schemas.microsoft.com/office/drawing/2014/main" id="{FCEA4888-A9ED-E473-3FE9-7C70C5D1BA29}"/>
+                <a16:creationId xmlns:a16="http://schemas.microsoft.com/office/drawing/2014/main" id="{636B8D0B-382F-75E8-214D-7C1297ECBC89}"/>
               </a:ext>
             </a:extLst>
           </p:cNvPr>
@@ -2645,7 +2645,7 @@
           <p:cNvPr id="5" name="日期占位符 4">
             <a:extLst>
               <a:ext uri="{FF2B5EF4-FFF2-40B4-BE49-F238E27FC236}">
-                <a16:creationId xmlns:a16="http://schemas.microsoft.com/office/drawing/2014/main" id="{8699039E-C948-2642-07DC-8C547A9758D8}"/>
+                <a16:creationId xmlns:a16="http://schemas.microsoft.com/office/drawing/2014/main" id="{ACA86891-0E53-654E-3818-82A67B2F7E2B}"/>
               </a:ext>
             </a:extLst>
           </p:cNvPr>
@@ -2661,7 +2661,7 @@
           <a:bodyPr/>
           <a:lstStyle/>
           <a:p>
-            <a:fld id="{AFAE7115-75DE-45BA-A8B4-A48DCED667E0}" type="datetimeFigureOut">
+            <a:fld id="{3E110B1A-8F3D-459F-86EF-FC7BC78BBE21}" type="datetimeFigureOut">
               <a:rPr lang="zh-CN" altLang="en-US" smtClean="0"/>
               <a:t>2024/3/10</a:t>
             </a:fld>
@@ -2674,7 +2674,7 @@
           <p:cNvPr id="6" name="页脚占位符 5">
             <a:extLst>
               <a:ext uri="{FF2B5EF4-FFF2-40B4-BE49-F238E27FC236}">
-                <a16:creationId xmlns:a16="http://schemas.microsoft.com/office/drawing/2014/main" id="{81827F1D-B584-07F3-BBF7-73059C509B4B}"/>
+                <a16:creationId xmlns:a16="http://schemas.microsoft.com/office/drawing/2014/main" id="{79004385-C023-E24B-0B08-F728822DF3C2}"/>
               </a:ext>
             </a:extLst>
           </p:cNvPr>
@@ -2699,7 +2699,7 @@
           <p:cNvPr id="7" name="灯片编号占位符 6">
             <a:extLst>
               <a:ext uri="{FF2B5EF4-FFF2-40B4-BE49-F238E27FC236}">
-                <a16:creationId xmlns:a16="http://schemas.microsoft.com/office/drawing/2014/main" id="{6E1F7266-8AC8-9167-C2D3-E2D28E4035EF}"/>
+                <a16:creationId xmlns:a16="http://schemas.microsoft.com/office/drawing/2014/main" id="{78D45E09-3F76-D7E9-AA1A-B5706810BCF5}"/>
               </a:ext>
             </a:extLst>
           </p:cNvPr>
@@ -2715,7 +2715,7 @@
           <a:bodyPr/>
           <a:lstStyle/>
           <a:p>
-            <a:fld id="{F44CBAC3-E87D-46A8-9B5E-58E9F94477FB}" type="slidenum">
+            <a:fld id="{F7D099B0-826E-44BB-A484-397E90C404DD}" type="slidenum">
               <a:rPr lang="zh-CN" altLang="en-US" smtClean="0"/>
               <a:t>‹#›</a:t>
             </a:fld>
@@ -2726,7 +2726,7 @@
     </p:spTree>
     <p:extLst>
       <p:ext uri="{BB962C8B-B14F-4D97-AF65-F5344CB8AC3E}">
-        <p14:creationId xmlns:p14="http://schemas.microsoft.com/office/powerpoint/2010/main" val="3447768624"/>
+        <p14:creationId xmlns:p14="http://schemas.microsoft.com/office/powerpoint/2010/main" val="2266620491"/>
       </p:ext>
     </p:extLst>
   </p:cSld>
@@ -2763,7 +2763,7 @@
           <p:cNvPr id="2" name="标题占位符 1">
             <a:extLst>
               <a:ext uri="{FF2B5EF4-FFF2-40B4-BE49-F238E27FC236}">
-                <a16:creationId xmlns:a16="http://schemas.microsoft.com/office/drawing/2014/main" id="{8AD223EB-70C7-41F5-64DA-8A0E92E0AD66}"/>
+                <a16:creationId xmlns:a16="http://schemas.microsoft.com/office/drawing/2014/main" id="{EC1FCDD7-69FF-1219-C7FE-2E9319C95386}"/>
               </a:ext>
             </a:extLst>
           </p:cNvPr>
@@ -2801,7 +2801,7 @@
           <p:cNvPr id="3" name="文本占位符 2">
             <a:extLst>
               <a:ext uri="{FF2B5EF4-FFF2-40B4-BE49-F238E27FC236}">
-                <a16:creationId xmlns:a16="http://schemas.microsoft.com/office/drawing/2014/main" id="{8932C15E-CC4D-D43F-DF26-8324E9C6C52B}"/>
+                <a16:creationId xmlns:a16="http://schemas.microsoft.com/office/drawing/2014/main" id="{9C77F87C-7742-0B25-05C6-DE739CD545EA}"/>
               </a:ext>
             </a:extLst>
           </p:cNvPr>
@@ -2868,7 +2868,7 @@
           <p:cNvPr id="4" name="日期占位符 3">
             <a:extLst>
               <a:ext uri="{FF2B5EF4-FFF2-40B4-BE49-F238E27FC236}">
-                <a16:creationId xmlns:a16="http://schemas.microsoft.com/office/drawing/2014/main" id="{B4BB89B9-369A-D844-04A3-3A876DAAD663}"/>
+                <a16:creationId xmlns:a16="http://schemas.microsoft.com/office/drawing/2014/main" id="{5014DFB1-445E-5FB8-EF14-070B9F90DE40}"/>
               </a:ext>
             </a:extLst>
           </p:cNvPr>
@@ -2902,7 +2902,7 @@
             </a:lvl1pPr>
           </a:lstStyle>
           <a:p>
-            <a:fld id="{AFAE7115-75DE-45BA-A8B4-A48DCED667E0}" type="datetimeFigureOut">
+            <a:fld id="{3E110B1A-8F3D-459F-86EF-FC7BC78BBE21}" type="datetimeFigureOut">
               <a:rPr lang="zh-CN" altLang="en-US" smtClean="0"/>
               <a:t>2024/3/10</a:t>
             </a:fld>
@@ -2915,7 +2915,7 @@
           <p:cNvPr id="5" name="页脚占位符 4">
             <a:extLst>
               <a:ext uri="{FF2B5EF4-FFF2-40B4-BE49-F238E27FC236}">
-                <a16:creationId xmlns:a16="http://schemas.microsoft.com/office/drawing/2014/main" id="{46939EA5-6216-C46C-D3BA-F1ED36E252F9}"/>
+                <a16:creationId xmlns:a16="http://schemas.microsoft.com/office/drawing/2014/main" id="{37B16989-1F0F-C5DC-8645-B425117614D4}"/>
               </a:ext>
             </a:extLst>
           </p:cNvPr>
@@ -2958,7 +2958,7 @@
           <p:cNvPr id="6" name="灯片编号占位符 5">
             <a:extLst>
               <a:ext uri="{FF2B5EF4-FFF2-40B4-BE49-F238E27FC236}">
-                <a16:creationId xmlns:a16="http://schemas.microsoft.com/office/drawing/2014/main" id="{F7C18087-0B27-0978-5A51-F8947D4DCA1C}"/>
+                <a16:creationId xmlns:a16="http://schemas.microsoft.com/office/drawing/2014/main" id="{BDBCD177-1DD4-FDE4-1D5A-36AD5637C554}"/>
               </a:ext>
             </a:extLst>
           </p:cNvPr>
@@ -2992,7 +2992,7 @@
             </a:lvl1pPr>
           </a:lstStyle>
           <a:p>
-            <a:fld id="{F44CBAC3-E87D-46A8-9B5E-58E9F94477FB}" type="slidenum">
+            <a:fld id="{F7D099B0-826E-44BB-A484-397E90C404DD}" type="slidenum">
               <a:rPr lang="zh-CN" altLang="en-US" smtClean="0"/>
               <a:t>‹#›</a:t>
             </a:fld>
@@ -3003,7 +3003,7 @@
     </p:spTree>
     <p:extLst>
       <p:ext uri="{BB962C8B-B14F-4D97-AF65-F5344CB8AC3E}">
-        <p14:creationId xmlns:p14="http://schemas.microsoft.com/office/powerpoint/2010/main" val="3409216242"/>
+        <p14:creationId xmlns:p14="http://schemas.microsoft.com/office/powerpoint/2010/main" val="2400027359"/>
       </p:ext>
     </p:extLst>
   </p:cSld>
@@ -3323,7 +3323,7 @@
       </p:grpSpPr>
       <p:pic>
         <p:nvPicPr>
-          <p:cNvPr id="850946" name="Picture 2" descr="830"/>
+          <p:cNvPr id="851970" name="Picture 2" descr="831"/>
           <p:cNvPicPr>
             <a:picLocks noChangeAspect="1" noChangeArrowheads="1"/>
           </p:cNvPicPr>
@@ -3344,8 +3344,8 @@
         </p:blipFill>
         <p:spPr bwMode="auto">
           <a:xfrm>
-            <a:off x="1524000" y="14288"/>
-            <a:ext cx="9124950" cy="6843712"/>
+            <a:off x="1524000" y="1"/>
+            <a:ext cx="9144000" cy="6308725"/>
           </a:xfrm>
           <a:prstGeom prst="rect">
             <a:avLst/>
